--- a/Презентация(курсовая).pptx
+++ b/Презентация(курсовая).pptx
@@ -112,6 +112,11 @@
       </a:defRPr>
     </a:lvl9pPr>
   </p:defaultTextStyle>
+  <p:extLst>
+    <p:ext uri="{EFAFB233-063F-42B5-8137-9DF3F51BA10A}">
+      <p15:sldGuideLst xmlns:p15="http://schemas.microsoft.com/office/powerpoint/2012/main"/>
+    </p:ext>
+  </p:extLst>
 </p:presentation>
 </file>
 
@@ -262,7 +267,7 @@
           <a:p>
             <a:fld id="{A2FF947A-DDD7-49D0-9EA7-9D47DE53CA36}" type="datetimeFigureOut">
               <a:rPr lang="ru-RU" smtClean="0"/>
-              <a:t>01.12.2025</a:t>
+              <a:t>11.12.2025</a:t>
             </a:fld>
             <a:endParaRPr lang="ru-RU"/>
           </a:p>
@@ -460,7 +465,7 @@
           <a:p>
             <a:fld id="{A2FF947A-DDD7-49D0-9EA7-9D47DE53CA36}" type="datetimeFigureOut">
               <a:rPr lang="ru-RU" smtClean="0"/>
-              <a:t>01.12.2025</a:t>
+              <a:t>11.12.2025</a:t>
             </a:fld>
             <a:endParaRPr lang="ru-RU"/>
           </a:p>
@@ -668,7 +673,7 @@
           <a:p>
             <a:fld id="{A2FF947A-DDD7-49D0-9EA7-9D47DE53CA36}" type="datetimeFigureOut">
               <a:rPr lang="ru-RU" smtClean="0"/>
-              <a:t>01.12.2025</a:t>
+              <a:t>11.12.2025</a:t>
             </a:fld>
             <a:endParaRPr lang="ru-RU"/>
           </a:p>
@@ -866,7 +871,7 @@
           <a:p>
             <a:fld id="{A2FF947A-DDD7-49D0-9EA7-9D47DE53CA36}" type="datetimeFigureOut">
               <a:rPr lang="ru-RU" smtClean="0"/>
-              <a:t>01.12.2025</a:t>
+              <a:t>11.12.2025</a:t>
             </a:fld>
             <a:endParaRPr lang="ru-RU"/>
           </a:p>
@@ -1141,7 +1146,7 @@
           <a:p>
             <a:fld id="{A2FF947A-DDD7-49D0-9EA7-9D47DE53CA36}" type="datetimeFigureOut">
               <a:rPr lang="ru-RU" smtClean="0"/>
-              <a:t>01.12.2025</a:t>
+              <a:t>11.12.2025</a:t>
             </a:fld>
             <a:endParaRPr lang="ru-RU"/>
           </a:p>
@@ -1406,7 +1411,7 @@
           <a:p>
             <a:fld id="{A2FF947A-DDD7-49D0-9EA7-9D47DE53CA36}" type="datetimeFigureOut">
               <a:rPr lang="ru-RU" smtClean="0"/>
-              <a:t>01.12.2025</a:t>
+              <a:t>11.12.2025</a:t>
             </a:fld>
             <a:endParaRPr lang="ru-RU"/>
           </a:p>
@@ -1818,7 +1823,7 @@
           <a:p>
             <a:fld id="{A2FF947A-DDD7-49D0-9EA7-9D47DE53CA36}" type="datetimeFigureOut">
               <a:rPr lang="ru-RU" smtClean="0"/>
-              <a:t>01.12.2025</a:t>
+              <a:t>11.12.2025</a:t>
             </a:fld>
             <a:endParaRPr lang="ru-RU"/>
           </a:p>
@@ -1959,7 +1964,7 @@
           <a:p>
             <a:fld id="{A2FF947A-DDD7-49D0-9EA7-9D47DE53CA36}" type="datetimeFigureOut">
               <a:rPr lang="ru-RU" smtClean="0"/>
-              <a:t>01.12.2025</a:t>
+              <a:t>11.12.2025</a:t>
             </a:fld>
             <a:endParaRPr lang="ru-RU"/>
           </a:p>
@@ -2072,7 +2077,7 @@
           <a:p>
             <a:fld id="{A2FF947A-DDD7-49D0-9EA7-9D47DE53CA36}" type="datetimeFigureOut">
               <a:rPr lang="ru-RU" smtClean="0"/>
-              <a:t>01.12.2025</a:t>
+              <a:t>11.12.2025</a:t>
             </a:fld>
             <a:endParaRPr lang="ru-RU"/>
           </a:p>
@@ -2383,7 +2388,7 @@
           <a:p>
             <a:fld id="{A2FF947A-DDD7-49D0-9EA7-9D47DE53CA36}" type="datetimeFigureOut">
               <a:rPr lang="ru-RU" smtClean="0"/>
-              <a:t>01.12.2025</a:t>
+              <a:t>11.12.2025</a:t>
             </a:fld>
             <a:endParaRPr lang="ru-RU"/>
           </a:p>
@@ -2671,7 +2676,7 @@
           <a:p>
             <a:fld id="{A2FF947A-DDD7-49D0-9EA7-9D47DE53CA36}" type="datetimeFigureOut">
               <a:rPr lang="ru-RU" smtClean="0"/>
-              <a:t>01.12.2025</a:t>
+              <a:t>11.12.2025</a:t>
             </a:fld>
             <a:endParaRPr lang="ru-RU"/>
           </a:p>
@@ -2912,7 +2917,7 @@
           <a:p>
             <a:fld id="{A2FF947A-DDD7-49D0-9EA7-9D47DE53CA36}" type="datetimeFigureOut">
               <a:rPr lang="ru-RU" smtClean="0"/>
-              <a:t>01.12.2025</a:t>
+              <a:t>11.12.2025</a:t>
             </a:fld>
             <a:endParaRPr lang="ru-RU"/>
           </a:p>
@@ -4207,7 +4212,7 @@
             </a:r>
             <a:r>
               <a:rPr lang="en-US" altLang="ru-RU" dirty="0"/>
-              <a:t>5</a:t>
+              <a:t>5-2026</a:t>
             </a:r>
             <a:endParaRPr lang="ru-RU" altLang="ru-RU" dirty="0"/>
           </a:p>
@@ -4363,7 +4368,7 @@
               <a:rPr lang="ru-RU" altLang="ru-RU" sz="2400" dirty="0">
                 <a:latin typeface="Times New Roman" panose="02020603050405020304" pitchFamily="18" charset="0"/>
               </a:rPr>
-              <a:t> .      </a:t>
+              <a:t>.      </a:t>
             </a:r>
           </a:p>
         </p:txBody>
@@ -7156,7 +7161,7 @@
               <a:rPr lang="ru-RU" altLang="ru-RU" sz="2800" dirty="0">
                 <a:latin typeface="Times New Roman" panose="02020603050405020304" pitchFamily="18" charset="0"/>
               </a:rPr>
-              <a:t>Добавить </a:t>
+              <a:t>Добавить</a:t>
             </a:r>
             <a:r>
               <a:rPr lang="ru-RU" b="0" i="0" dirty="0">
@@ -7166,7 +7171,7 @@
                 <a:effectLst/>
                 <a:latin typeface="system-ui"/>
               </a:rPr>
-              <a:t>встроенную пешеходную маршрутизацию</a:t>
+              <a:t> пешеходную маршрутизацию</a:t>
             </a:r>
             <a:endParaRPr lang="ru-RU" altLang="ru-RU" sz="2800" dirty="0">
               <a:latin typeface="Times New Roman" panose="02020603050405020304" pitchFamily="18" charset="0"/>
